--- a/Deep Reinforcement Learning for Active High Frequency Trading.pptx
+++ b/Deep Reinforcement Learning for Active High Frequency Trading.pptx
@@ -8484,8 +8484,8 @@
           </a:p>
         </p:txBody>
       </p:sp>
-      <mc:AlternateContent xmlns:mc="http://schemas.openxmlformats.org/markup-compatibility/2006">
-        <mc:Choice xmlns:a14="http://schemas.microsoft.com/office/drawing/2010/main" Requires="a14">
+      <mc:AlternateContent xmlns:mc="http://schemas.openxmlformats.org/markup-compatibility/2006" xmlns:a14="http://schemas.microsoft.com/office/drawing/2010/main">
+        <mc:Choice Requires="a14">
           <p:sp>
             <p:nvSpPr>
               <p:cNvPr id="3" name="Content Placeholder 2">
@@ -8645,7 +8645,7 @@
             </p:txBody>
           </p:sp>
         </mc:Choice>
-        <mc:Fallback>
+        <mc:Fallback xmlns="">
           <p:sp>
             <p:nvSpPr>
               <p:cNvPr id="3" name="Content Placeholder 2">
@@ -12786,7 +12786,7 @@
         </p:blipFill>
         <p:spPr>
           <a:xfrm>
-            <a:off x="1069975" y="3633987"/>
+            <a:off x="1062038" y="3162933"/>
             <a:ext cx="7772400" cy="2385813"/>
           </a:xfrm>
           <a:prstGeom prst="rect">
@@ -12874,7 +12874,7 @@
           <a:bodyPr/>
           <a:lstStyle/>
           <a:p>
-            <a:endParaRPr lang="en-TW"/>
+            <a:endParaRPr lang="en-TW" dirty="0"/>
           </a:p>
         </p:txBody>
       </p:sp>
@@ -13018,7 +13018,7 @@
           <a:bodyPr/>
           <a:lstStyle/>
           <a:p>
-            <a:endParaRPr lang="en-TW"/>
+            <a:endParaRPr lang="en-TW" dirty="0"/>
           </a:p>
         </p:txBody>
       </p:sp>
@@ -15969,8 +15969,8 @@
           </a:p>
         </p:txBody>
       </p:sp>
-      <mc:AlternateContent xmlns:mc="http://schemas.openxmlformats.org/markup-compatibility/2006">
-        <mc:Choice xmlns:a14="http://schemas.microsoft.com/office/drawing/2010/main" Requires="a14">
+      <mc:AlternateContent xmlns:mc="http://schemas.openxmlformats.org/markup-compatibility/2006" xmlns:a14="http://schemas.microsoft.com/office/drawing/2010/main">
+        <mc:Choice Requires="a14">
           <p:sp>
             <p:nvSpPr>
               <p:cNvPr id="3" name="Content Placeholder 2">
@@ -16248,7 +16248,7 @@
             </p:txBody>
           </p:sp>
         </mc:Choice>
-        <mc:Fallback>
+        <mc:Fallback xmlns="">
           <p:sp>
             <p:nvSpPr>
               <p:cNvPr id="3" name="Content Placeholder 2">
